--- a/Exclusión Mutua.pptx
+++ b/Exclusión Mutua.pptx
@@ -10465,7 +10465,7 @@
             <a:tbl>
               <a:tblPr>
                 <a:noFill/>
-                <a:tableStyleId>{C5680D7D-AB0C-4549-B186-5F48948AFFA9}</a:tableStyleId>
+                <a:tableStyleId>{7DDFE783-C9FE-4BD6-9EC1-92552A2AF911}</a:tableStyleId>
               </a:tblPr>
               <a:tblGrid>
                 <a:gridCol w="1045150"/>
@@ -10503,7 +10503,30 @@
                       </a:endParaRPr>
                     </a:p>
                   </a:txBody>
-                  <a:tcPr marT="91425" marB="91425" marR="91425" marL="91425" anchor="ctr"/>
+                  <a:tcPr marT="91425" marB="91425" marR="91425" marL="91425" anchor="ctr">
+                    <a:lnL cap="flat" cmpd="sng" w="9525">
+                      <a:solidFill>
+                        <a:srgbClr val="9E9E9E">
+                          <a:alpha val="0"/>
+                        </a:srgbClr>
+                      </a:solidFill>
+                      <a:prstDash val="solid"/>
+                      <a:round/>
+                      <a:headEnd len="sm" w="sm" type="none"/>
+                      <a:tailEnd len="sm" w="sm" type="none"/>
+                    </a:lnL>
+                    <a:lnT cap="flat" cmpd="sng" w="9525">
+                      <a:solidFill>
+                        <a:srgbClr val="9E9E9E">
+                          <a:alpha val="0"/>
+                        </a:srgbClr>
+                      </a:solidFill>
+                      <a:prstDash val="solid"/>
+                      <a:round/>
+                      <a:headEnd len="sm" w="sm" type="none"/>
+                      <a:tailEnd len="sm" w="sm" type="none"/>
+                    </a:lnT>
+                  </a:tcPr>
                 </a:tc>
                 <a:tc>
                   <a:txBody>
